--- a/Task 5/Blood Pressure Monitor.pptx
+++ b/Task 5/Blood Pressure Monitor.pptx
@@ -14983,7 +14983,7 @@
         <p:spPr>
           <a:xfrm>
             <a:off x="7722524" y="1213531"/>
-            <a:ext cx="2832847" cy="1846659"/>
+            <a:ext cx="2832847" cy="2462213"/>
           </a:xfrm>
           <a:prstGeom prst="rect">
             <a:avLst/>
@@ -15042,6 +15042,27 @@
             <a:r>
               <a:rPr lang="en-US" sz="2000" b="1" dirty="0"/>
               <a:t>Usability</a:t>
+            </a:r>
+          </a:p>
+          <a:p>
+            <a:pPr marL="457200" indent="-457200" algn="just">
+              <a:buFont typeface="Wingdings" pitchFamily="2" charset="2"/>
+              <a:buChar char="Ø"/>
+            </a:pPr>
+            <a:r>
+              <a:rPr lang="en-US" sz="2000" b="1" dirty="0" err="1"/>
+              <a:t>Maintenability</a:t>
+            </a:r>
+            <a:endParaRPr lang="en-US" sz="2000" b="1" dirty="0"/>
+          </a:p>
+          <a:p>
+            <a:pPr marL="457200" indent="-457200" algn="just">
+              <a:buFont typeface="Wingdings" pitchFamily="2" charset="2"/>
+              <a:buChar char="Ø"/>
+            </a:pPr>
+            <a:r>
+              <a:rPr lang="en-US" sz="2000" b="1" dirty="0"/>
+              <a:t>Safety</a:t>
             </a:r>
           </a:p>
           <a:p>
